--- a/Дипломная работа/Консультации Хоменко/Презентация диплом новая.pptx
+++ b/Дипломная работа/Консультации Хоменко/Презентация диплом новая.pptx
@@ -216,7 +216,7 @@
           <a:p>
             <a:fld id="{0752C715-6935-41AD-9984-2334D42D2383}" type="datetimeFigureOut">
               <a:rPr lang="ru-RU" smtClean="0"/>
-              <a:t>08.06.2025</a:t>
+              <a:t>13.06.2025</a:t>
             </a:fld>
             <a:endParaRPr lang="ru-RU"/>
           </a:p>
@@ -3169,7 +3169,7 @@
           <a:p>
             <a:fld id="{A592AB9E-B3E0-40A8-9D13-59617F3F8A64}" type="datetime1">
               <a:rPr lang="ru-RU" smtClean="0"/>
-              <a:t>08.06.2025</a:t>
+              <a:t>13.06.2025</a:t>
             </a:fld>
             <a:endParaRPr lang="ru-RU"/>
           </a:p>
@@ -3515,7 +3515,7 @@
           <a:p>
             <a:fld id="{5417B1CA-4C4F-4F8D-803D-8A6A8A906241}" type="datetime1">
               <a:rPr lang="ru-RU" smtClean="0"/>
-              <a:t>08.06.2025</a:t>
+              <a:t>13.06.2025</a:t>
             </a:fld>
             <a:endParaRPr lang="ru-RU"/>
           </a:p>
@@ -3793,7 +3793,7 @@
           <a:p>
             <a:fld id="{82CFFC90-8D51-4E14-AFBA-129AE5402BF2}" type="datetime1">
               <a:rPr lang="ru-RU" smtClean="0"/>
-              <a:t>08.06.2025</a:t>
+              <a:t>13.06.2025</a:t>
             </a:fld>
             <a:endParaRPr lang="ru-RU"/>
           </a:p>
@@ -4361,7 +4361,7 @@
           <a:p>
             <a:fld id="{EA467253-3793-4A20-98DF-36EA880F85F5}" type="datetime1">
               <a:rPr lang="ru-RU" smtClean="0"/>
-              <a:t>08.06.2025</a:t>
+              <a:t>13.06.2025</a:t>
             </a:fld>
             <a:endParaRPr lang="ru-RU"/>
           </a:p>
@@ -4639,7 +4639,7 @@
           <a:p>
             <a:fld id="{D83AF644-49BB-4732-B227-064E7E8E9B75}" type="datetime1">
               <a:rPr lang="ru-RU" smtClean="0"/>
-              <a:t>08.06.2025</a:t>
+              <a:t>13.06.2025</a:t>
             </a:fld>
             <a:endParaRPr lang="ru-RU"/>
           </a:p>
@@ -5201,7 +5201,7 @@
           <a:p>
             <a:fld id="{93741DF7-081A-43E1-AEC0-7A6A5EFC3E04}" type="datetime1">
               <a:rPr lang="ru-RU" smtClean="0"/>
-              <a:t>08.06.2025</a:t>
+              <a:t>13.06.2025</a:t>
             </a:fld>
             <a:endParaRPr lang="ru-RU"/>
           </a:p>
@@ -5528,7 +5528,7 @@
           <a:p>
             <a:fld id="{60804587-5AD3-4566-AED6-7C5642B16C64}" type="datetime1">
               <a:rPr lang="ru-RU" smtClean="0"/>
-              <a:t>08.06.2025</a:t>
+              <a:t>13.06.2025</a:t>
             </a:fld>
             <a:endParaRPr lang="ru-RU"/>
           </a:p>
@@ -5705,7 +5705,7 @@
           <a:p>
             <a:fld id="{AF148D8C-8A56-4364-A29B-FC848D70BD3E}" type="datetime1">
               <a:rPr lang="ru-RU" smtClean="0"/>
-              <a:t>08.06.2025</a:t>
+              <a:t>13.06.2025</a:t>
             </a:fld>
             <a:endParaRPr lang="ru-RU"/>
           </a:p>
@@ -5955,7 +5955,7 @@
           <a:p>
             <a:fld id="{1F560C62-4747-4C40-80B5-9506A6478873}" type="datetime1">
               <a:rPr lang="ru-RU" smtClean="0"/>
-              <a:t>08.06.2025</a:t>
+              <a:t>13.06.2025</a:t>
             </a:fld>
             <a:endParaRPr lang="ru-RU"/>
           </a:p>
@@ -6167,7 +6167,7 @@
           <a:p>
             <a:fld id="{655C5391-6D11-49BE-9D35-F1852430608C}" type="datetime1">
               <a:rPr lang="ru-RU" smtClean="0"/>
-              <a:t>08.06.2025</a:t>
+              <a:t>13.06.2025</a:t>
             </a:fld>
             <a:endParaRPr lang="ru-RU"/>
           </a:p>
@@ -6455,7 +6455,7 @@
           <a:p>
             <a:fld id="{D1B7E046-787A-42F0-988E-D94C46E094ED}" type="datetime1">
               <a:rPr lang="ru-RU" smtClean="0"/>
-              <a:t>08.06.2025</a:t>
+              <a:t>13.06.2025</a:t>
             </a:fld>
             <a:endParaRPr lang="ru-RU"/>
           </a:p>
@@ -6733,7 +6733,7 @@
           <a:p>
             <a:fld id="{1DEF2D25-E9E1-4E54-81F0-1D2FE8854B0E}" type="datetime1">
               <a:rPr lang="ru-RU" smtClean="0"/>
-              <a:t>08.06.2025</a:t>
+              <a:t>13.06.2025</a:t>
             </a:fld>
             <a:endParaRPr lang="ru-RU"/>
           </a:p>
@@ -7119,7 +7119,7 @@
           <a:p>
             <a:fld id="{2D559C09-903E-4473-BBE2-D44EED2E9BB9}" type="datetime1">
               <a:rPr lang="ru-RU" smtClean="0"/>
-              <a:t>08.06.2025</a:t>
+              <a:t>13.06.2025</a:t>
             </a:fld>
             <a:endParaRPr lang="ru-RU"/>
           </a:p>
@@ -7279,7 +7279,7 @@
           <a:p>
             <a:fld id="{5DEFB42A-193B-4E6D-9002-E4C3450AA4B1}" type="datetime1">
               <a:rPr lang="ru-RU" smtClean="0"/>
-              <a:t>08.06.2025</a:t>
+              <a:t>13.06.2025</a:t>
             </a:fld>
             <a:endParaRPr lang="ru-RU"/>
           </a:p>
@@ -7416,7 +7416,7 @@
           <a:p>
             <a:fld id="{B780A1C7-BCFA-4491-ABEA-F198E9E80238}" type="datetime1">
               <a:rPr lang="ru-RU" smtClean="0"/>
-              <a:t>08.06.2025</a:t>
+              <a:t>13.06.2025</a:t>
             </a:fld>
             <a:endParaRPr lang="ru-RU"/>
           </a:p>
@@ -7713,7 +7713,7 @@
           <a:p>
             <a:fld id="{6B7D87D1-A00E-4856-B035-ABE302A2367C}" type="datetime1">
               <a:rPr lang="ru-RU" smtClean="0"/>
-              <a:t>08.06.2025</a:t>
+              <a:t>13.06.2025</a:t>
             </a:fld>
             <a:endParaRPr lang="ru-RU"/>
           </a:p>
@@ -8049,7 +8049,7 @@
           <a:p>
             <a:fld id="{95982220-A412-481B-B026-9F63F21200E0}" type="datetime1">
               <a:rPr lang="ru-RU" smtClean="0"/>
-              <a:t>08.06.2025</a:t>
+              <a:t>13.06.2025</a:t>
             </a:fld>
             <a:endParaRPr lang="ru-RU"/>
           </a:p>
@@ -8275,7 +8275,7 @@
           <a:p>
             <a:fld id="{CBF3DBF7-CC75-4132-A774-E3960ACCECD6}" type="datetime1">
               <a:rPr lang="ru-RU" smtClean="0"/>
-              <a:t>08.06.2025</a:t>
+              <a:t>13.06.2025</a:t>
             </a:fld>
             <a:endParaRPr lang="ru-RU"/>
           </a:p>
@@ -22295,7 +22295,7 @@
                 <a:latin typeface="Times New Roman" panose="02020603050405020304" pitchFamily="18" charset="0"/>
                 <a:cs typeface="Times New Roman" panose="02020603050405020304" pitchFamily="18" charset="0"/>
               </a:rPr>
-              <a:t>ДОСТИЖЕНИЯ</a:t>
+              <a:t>Научные труды</a:t>
             </a:r>
             <a:endParaRPr lang="ru-RU" dirty="0"/>
           </a:p>
